--- a/RADAR Screens Powerpoint rebuild 5-13-29.pptx
+++ b/RADAR Screens Powerpoint rebuild 5-13-29.pptx
@@ -270,7 +270,7 @@
           <a:p>
             <a:fld id="{10CB2D54-0333-4C27-96F2-AB15D47106A7}" type="datetimeFigureOut">
               <a:rPr lang="en-US" smtClean="0"/>
-              <a:t>5/13/2020</a:t>
+              <a:t>5/14/2020</a:t>
             </a:fld>
             <a:endParaRPr lang="en-US"/>
           </a:p>
@@ -468,7 +468,7 @@
           <a:p>
             <a:fld id="{10CB2D54-0333-4C27-96F2-AB15D47106A7}" type="datetimeFigureOut">
               <a:rPr lang="en-US" smtClean="0"/>
-              <a:t>5/13/2020</a:t>
+              <a:t>5/14/2020</a:t>
             </a:fld>
             <a:endParaRPr lang="en-US"/>
           </a:p>
@@ -676,7 +676,7 @@
           <a:p>
             <a:fld id="{10CB2D54-0333-4C27-96F2-AB15D47106A7}" type="datetimeFigureOut">
               <a:rPr lang="en-US" smtClean="0"/>
-              <a:t>5/13/2020</a:t>
+              <a:t>5/14/2020</a:t>
             </a:fld>
             <a:endParaRPr lang="en-US"/>
           </a:p>
@@ -874,7 +874,7 @@
           <a:p>
             <a:fld id="{10CB2D54-0333-4C27-96F2-AB15D47106A7}" type="datetimeFigureOut">
               <a:rPr lang="en-US" smtClean="0"/>
-              <a:t>5/13/2020</a:t>
+              <a:t>5/14/2020</a:t>
             </a:fld>
             <a:endParaRPr lang="en-US"/>
           </a:p>
@@ -1149,7 +1149,7 @@
           <a:p>
             <a:fld id="{10CB2D54-0333-4C27-96F2-AB15D47106A7}" type="datetimeFigureOut">
               <a:rPr lang="en-US" smtClean="0"/>
-              <a:t>5/13/2020</a:t>
+              <a:t>5/14/2020</a:t>
             </a:fld>
             <a:endParaRPr lang="en-US"/>
           </a:p>
@@ -1414,7 +1414,7 @@
           <a:p>
             <a:fld id="{10CB2D54-0333-4C27-96F2-AB15D47106A7}" type="datetimeFigureOut">
               <a:rPr lang="en-US" smtClean="0"/>
-              <a:t>5/13/2020</a:t>
+              <a:t>5/14/2020</a:t>
             </a:fld>
             <a:endParaRPr lang="en-US"/>
           </a:p>
@@ -1826,7 +1826,7 @@
           <a:p>
             <a:fld id="{10CB2D54-0333-4C27-96F2-AB15D47106A7}" type="datetimeFigureOut">
               <a:rPr lang="en-US" smtClean="0"/>
-              <a:t>5/13/2020</a:t>
+              <a:t>5/14/2020</a:t>
             </a:fld>
             <a:endParaRPr lang="en-US"/>
           </a:p>
@@ -1967,7 +1967,7 @@
           <a:p>
             <a:fld id="{10CB2D54-0333-4C27-96F2-AB15D47106A7}" type="datetimeFigureOut">
               <a:rPr lang="en-US" smtClean="0"/>
-              <a:t>5/13/2020</a:t>
+              <a:t>5/14/2020</a:t>
             </a:fld>
             <a:endParaRPr lang="en-US"/>
           </a:p>
@@ -2080,7 +2080,7 @@
           <a:p>
             <a:fld id="{10CB2D54-0333-4C27-96F2-AB15D47106A7}" type="datetimeFigureOut">
               <a:rPr lang="en-US" smtClean="0"/>
-              <a:t>5/13/2020</a:t>
+              <a:t>5/14/2020</a:t>
             </a:fld>
             <a:endParaRPr lang="en-US"/>
           </a:p>
@@ -2391,7 +2391,7 @@
           <a:p>
             <a:fld id="{10CB2D54-0333-4C27-96F2-AB15D47106A7}" type="datetimeFigureOut">
               <a:rPr lang="en-US" smtClean="0"/>
-              <a:t>5/13/2020</a:t>
+              <a:t>5/14/2020</a:t>
             </a:fld>
             <a:endParaRPr lang="en-US"/>
           </a:p>
@@ -2679,7 +2679,7 @@
           <a:p>
             <a:fld id="{10CB2D54-0333-4C27-96F2-AB15D47106A7}" type="datetimeFigureOut">
               <a:rPr lang="en-US" smtClean="0"/>
-              <a:t>5/13/2020</a:t>
+              <a:t>5/14/2020</a:t>
             </a:fld>
             <a:endParaRPr lang="en-US"/>
           </a:p>
@@ -2920,7 +2920,7 @@
           <a:p>
             <a:fld id="{10CB2D54-0333-4C27-96F2-AB15D47106A7}" type="datetimeFigureOut">
               <a:rPr lang="en-US" smtClean="0"/>
-              <a:t>5/13/2020</a:t>
+              <a:t>5/14/2020</a:t>
             </a:fld>
             <a:endParaRPr lang="en-US"/>
           </a:p>
@@ -3350,10 +3350,10 @@
       </p:grpSpPr>
       <p:pic>
         <p:nvPicPr>
-          <p:cNvPr id="6" name="Picture 5">
-            <a:extLst>
-              <a:ext uri="{FF2B5EF4-FFF2-40B4-BE49-F238E27FC236}">
-                <a16:creationId xmlns:a16="http://schemas.microsoft.com/office/drawing/2014/main" id="{FDEC0E9E-24FB-4D85-94D2-AFC5FA56F99B}"/>
+          <p:cNvPr id="7" name="Picture 6">
+            <a:extLst>
+              <a:ext uri="{FF2B5EF4-FFF2-40B4-BE49-F238E27FC236}">
+                <a16:creationId xmlns:a16="http://schemas.microsoft.com/office/drawing/2014/main" id="{064D29D1-0852-4E7D-B87F-B202F30EA3C5}"/>
               </a:ext>
             </a:extLst>
           </p:cNvPr>
@@ -3376,8 +3376,80 @@
         </p:blipFill>
         <p:spPr>
           <a:xfrm>
-            <a:off x="3376766" y="0"/>
-            <a:ext cx="5438468" cy="6858000"/>
+            <a:off x="3339808" y="0"/>
+            <a:ext cx="5512384" cy="6858000"/>
+          </a:xfrm>
+          <a:prstGeom prst="rect">
+            <a:avLst/>
+          </a:prstGeom>
+        </p:spPr>
+      </p:pic>
+      <p:pic>
+        <p:nvPicPr>
+          <p:cNvPr id="11" name="Picture 10">
+            <a:extLst>
+              <a:ext uri="{FF2B5EF4-FFF2-40B4-BE49-F238E27FC236}">
+                <a16:creationId xmlns:a16="http://schemas.microsoft.com/office/drawing/2014/main" id="{F579E3CA-49E7-4400-AB6C-EF5218CD85F0}"/>
+              </a:ext>
+            </a:extLst>
+          </p:cNvPr>
+          <p:cNvPicPr>
+            <a:picLocks noChangeAspect="1"/>
+          </p:cNvPicPr>
+          <p:nvPr/>
+        </p:nvPicPr>
+        <p:blipFill>
+          <a:blip r:embed="rId3">
+            <a:extLst>
+              <a:ext uri="{28A0092B-C50C-407E-A947-70E740481C1C}">
+                <a14:useLocalDpi xmlns:a14="http://schemas.microsoft.com/office/drawing/2010/main" val="0"/>
+              </a:ext>
+            </a:extLst>
+          </a:blip>
+          <a:stretch>
+            <a:fillRect/>
+          </a:stretch>
+        </p:blipFill>
+        <p:spPr>
+          <a:xfrm>
+            <a:off x="3339808" y="0"/>
+            <a:ext cx="5512384" cy="619125"/>
+          </a:xfrm>
+          <a:prstGeom prst="rect">
+            <a:avLst/>
+          </a:prstGeom>
+        </p:spPr>
+      </p:pic>
+      <p:pic>
+        <p:nvPicPr>
+          <p:cNvPr id="16" name="Picture 15">
+            <a:extLst>
+              <a:ext uri="{FF2B5EF4-FFF2-40B4-BE49-F238E27FC236}">
+                <a16:creationId xmlns:a16="http://schemas.microsoft.com/office/drawing/2014/main" id="{F598B220-CB5C-4C8E-9C23-9B8074085BCB}"/>
+              </a:ext>
+            </a:extLst>
+          </p:cNvPr>
+          <p:cNvPicPr>
+            <a:picLocks noChangeAspect="1"/>
+          </p:cNvPicPr>
+          <p:nvPr/>
+        </p:nvPicPr>
+        <p:blipFill>
+          <a:blip r:embed="rId4">
+            <a:extLst>
+              <a:ext uri="{28A0092B-C50C-407E-A947-70E740481C1C}">
+                <a14:useLocalDpi xmlns:a14="http://schemas.microsoft.com/office/drawing/2010/main" val="0"/>
+              </a:ext>
+            </a:extLst>
+          </a:blip>
+          <a:stretch>
+            <a:fillRect/>
+          </a:stretch>
+        </p:blipFill>
+        <p:spPr>
+          <a:xfrm>
+            <a:off x="3339809" y="619125"/>
+            <a:ext cx="5512384" cy="485775"/>
           </a:xfrm>
           <a:prstGeom prst="rect">
             <a:avLst/>
@@ -3430,7 +3502,7 @@
           <p:cNvPr id="3" name="Picture 2">
             <a:extLst>
               <a:ext uri="{FF2B5EF4-FFF2-40B4-BE49-F238E27FC236}">
-                <a16:creationId xmlns:a16="http://schemas.microsoft.com/office/drawing/2014/main" id="{F05E712A-09BE-4555-9D98-529715EF442A}"/>
+                <a16:creationId xmlns:a16="http://schemas.microsoft.com/office/drawing/2014/main" id="{6F2792DA-76D0-455D-9F54-91E44894E7D1}"/>
               </a:ext>
             </a:extLst>
           </p:cNvPr>
@@ -3453,8 +3525,74 @@
         </p:blipFill>
         <p:spPr>
           <a:xfrm>
-            <a:off x="3503239" y="0"/>
-            <a:ext cx="5185522" cy="6858000"/>
+            <a:off x="3339808" y="107092"/>
+            <a:ext cx="5512382" cy="6858000"/>
+          </a:xfrm>
+          <a:prstGeom prst="rect">
+            <a:avLst/>
+          </a:prstGeom>
+        </p:spPr>
+      </p:pic>
+      <p:pic>
+        <p:nvPicPr>
+          <p:cNvPr id="6" name="Picture 5">
+            <a:extLst>
+              <a:ext uri="{FF2B5EF4-FFF2-40B4-BE49-F238E27FC236}">
+                <a16:creationId xmlns:a16="http://schemas.microsoft.com/office/drawing/2014/main" id="{26012B3F-29E7-436D-9037-79ECE4CDF237}"/>
+              </a:ext>
+            </a:extLst>
+          </p:cNvPr>
+          <p:cNvPicPr>
+            <a:picLocks noChangeAspect="1"/>
+          </p:cNvPicPr>
+          <p:nvPr/>
+        </p:nvPicPr>
+        <p:blipFill>
+          <a:blip r:embed="rId3">
+            <a:extLst>
+              <a:ext uri="{28A0092B-C50C-407E-A947-70E740481C1C}">
+                <a14:useLocalDpi xmlns:a14="http://schemas.microsoft.com/office/drawing/2010/main" val="0"/>
+              </a:ext>
+            </a:extLst>
+          </a:blip>
+          <a:stretch>
+            <a:fillRect/>
+          </a:stretch>
+        </p:blipFill>
+        <p:spPr>
+          <a:xfrm>
+            <a:off x="3339807" y="0"/>
+            <a:ext cx="5512384" cy="619125"/>
+          </a:xfrm>
+          <a:prstGeom prst="rect">
+            <a:avLst/>
+          </a:prstGeom>
+        </p:spPr>
+      </p:pic>
+      <p:pic>
+        <p:nvPicPr>
+          <p:cNvPr id="7" name="Picture 6">
+            <a:extLst>
+              <a:ext uri="{FF2B5EF4-FFF2-40B4-BE49-F238E27FC236}">
+                <a16:creationId xmlns:a16="http://schemas.microsoft.com/office/drawing/2014/main" id="{B6B8D976-B1AE-443C-A317-2DCF17C199C0}"/>
+              </a:ext>
+            </a:extLst>
+          </p:cNvPr>
+          <p:cNvPicPr>
+            <a:picLocks noChangeAspect="1"/>
+          </p:cNvPicPr>
+          <p:nvPr/>
+        </p:nvPicPr>
+        <p:blipFill>
+          <a:blip r:embed="rId4"/>
+          <a:stretch>
+            <a:fillRect/>
+          </a:stretch>
+        </p:blipFill>
+        <p:spPr>
+          <a:xfrm>
+            <a:off x="3339808" y="619125"/>
+            <a:ext cx="5512382" cy="514350"/>
           </a:xfrm>
           <a:prstGeom prst="rect">
             <a:avLst/>
@@ -3504,10 +3642,10 @@
       </p:grpSpPr>
       <p:pic>
         <p:nvPicPr>
-          <p:cNvPr id="3" name="Picture 2">
-            <a:extLst>
-              <a:ext uri="{FF2B5EF4-FFF2-40B4-BE49-F238E27FC236}">
-                <a16:creationId xmlns:a16="http://schemas.microsoft.com/office/drawing/2014/main" id="{4EA2F4C3-F449-44B2-9D15-3DE172E3481C}"/>
+          <p:cNvPr id="6" name="Picture 5">
+            <a:extLst>
+              <a:ext uri="{FF2B5EF4-FFF2-40B4-BE49-F238E27FC236}">
+                <a16:creationId xmlns:a16="http://schemas.microsoft.com/office/drawing/2014/main" id="{839D4466-C616-4FA4-B118-8921AECCBF5A}"/>
               </a:ext>
             </a:extLst>
           </p:cNvPr>
@@ -3530,8 +3668,74 @@
         </p:blipFill>
         <p:spPr>
           <a:xfrm>
-            <a:off x="3611767" y="0"/>
-            <a:ext cx="4968465" cy="6858000"/>
+            <a:off x="3339808" y="107091"/>
+            <a:ext cx="5512384" cy="6858000"/>
+          </a:xfrm>
+          <a:prstGeom prst="rect">
+            <a:avLst/>
+          </a:prstGeom>
+        </p:spPr>
+      </p:pic>
+      <p:pic>
+        <p:nvPicPr>
+          <p:cNvPr id="8" name="Picture 7">
+            <a:extLst>
+              <a:ext uri="{FF2B5EF4-FFF2-40B4-BE49-F238E27FC236}">
+                <a16:creationId xmlns:a16="http://schemas.microsoft.com/office/drawing/2014/main" id="{492A7768-9639-4222-A8CC-FC482A11220A}"/>
+              </a:ext>
+            </a:extLst>
+          </p:cNvPr>
+          <p:cNvPicPr>
+            <a:picLocks noChangeAspect="1"/>
+          </p:cNvPicPr>
+          <p:nvPr/>
+        </p:nvPicPr>
+        <p:blipFill>
+          <a:blip r:embed="rId3">
+            <a:extLst>
+              <a:ext uri="{28A0092B-C50C-407E-A947-70E740481C1C}">
+                <a14:useLocalDpi xmlns:a14="http://schemas.microsoft.com/office/drawing/2010/main" val="0"/>
+              </a:ext>
+            </a:extLst>
+          </a:blip>
+          <a:stretch>
+            <a:fillRect/>
+          </a:stretch>
+        </p:blipFill>
+        <p:spPr>
+          <a:xfrm>
+            <a:off x="3339808" y="0"/>
+            <a:ext cx="5512384" cy="619125"/>
+          </a:xfrm>
+          <a:prstGeom prst="rect">
+            <a:avLst/>
+          </a:prstGeom>
+        </p:spPr>
+      </p:pic>
+      <p:pic>
+        <p:nvPicPr>
+          <p:cNvPr id="9" name="Picture 8">
+            <a:extLst>
+              <a:ext uri="{FF2B5EF4-FFF2-40B4-BE49-F238E27FC236}">
+                <a16:creationId xmlns:a16="http://schemas.microsoft.com/office/drawing/2014/main" id="{DB2F6EE1-CC73-4ABD-A3E4-E2ABE9D65E24}"/>
+              </a:ext>
+            </a:extLst>
+          </p:cNvPr>
+          <p:cNvPicPr>
+            <a:picLocks noChangeAspect="1"/>
+          </p:cNvPicPr>
+          <p:nvPr/>
+        </p:nvPicPr>
+        <p:blipFill>
+          <a:blip r:embed="rId4"/>
+          <a:stretch>
+            <a:fillRect/>
+          </a:stretch>
+        </p:blipFill>
+        <p:spPr>
+          <a:xfrm>
+            <a:off x="3339809" y="619125"/>
+            <a:ext cx="5512384" cy="514350"/>
           </a:xfrm>
           <a:prstGeom prst="rect">
             <a:avLst/>
@@ -3581,10 +3785,10 @@
       </p:grpSpPr>
       <p:pic>
         <p:nvPicPr>
-          <p:cNvPr id="4" name="Picture 3">
-            <a:extLst>
-              <a:ext uri="{FF2B5EF4-FFF2-40B4-BE49-F238E27FC236}">
-                <a16:creationId xmlns:a16="http://schemas.microsoft.com/office/drawing/2014/main" id="{22FAA8A8-4871-4025-8D68-A7FE7DAE8EC4}"/>
+          <p:cNvPr id="3" name="Picture 2">
+            <a:extLst>
+              <a:ext uri="{FF2B5EF4-FFF2-40B4-BE49-F238E27FC236}">
+                <a16:creationId xmlns:a16="http://schemas.microsoft.com/office/drawing/2014/main" id="{5DB6DE1C-94DE-4F37-BBA9-B12315EF910B}"/>
               </a:ext>
             </a:extLst>
           </p:cNvPr>
@@ -3607,8 +3811,80 @@
         </p:blipFill>
         <p:spPr>
           <a:xfrm>
-            <a:off x="3467243" y="0"/>
-            <a:ext cx="5257513" cy="6858000"/>
+            <a:off x="3339808" y="0"/>
+            <a:ext cx="5512384" cy="6858000"/>
+          </a:xfrm>
+          <a:prstGeom prst="rect">
+            <a:avLst/>
+          </a:prstGeom>
+        </p:spPr>
+      </p:pic>
+      <p:pic>
+        <p:nvPicPr>
+          <p:cNvPr id="7" name="Picture 6">
+            <a:extLst>
+              <a:ext uri="{FF2B5EF4-FFF2-40B4-BE49-F238E27FC236}">
+                <a16:creationId xmlns:a16="http://schemas.microsoft.com/office/drawing/2014/main" id="{3E4EDA2A-548D-42F3-85E7-550D85AE3B19}"/>
+              </a:ext>
+            </a:extLst>
+          </p:cNvPr>
+          <p:cNvPicPr>
+            <a:picLocks noChangeAspect="1"/>
+          </p:cNvPicPr>
+          <p:nvPr/>
+        </p:nvPicPr>
+        <p:blipFill>
+          <a:blip r:embed="rId3">
+            <a:extLst>
+              <a:ext uri="{28A0092B-C50C-407E-A947-70E740481C1C}">
+                <a14:useLocalDpi xmlns:a14="http://schemas.microsoft.com/office/drawing/2010/main" val="0"/>
+              </a:ext>
+            </a:extLst>
+          </a:blip>
+          <a:stretch>
+            <a:fillRect/>
+          </a:stretch>
+        </p:blipFill>
+        <p:spPr>
+          <a:xfrm>
+            <a:off x="3339808" y="0"/>
+            <a:ext cx="5512384" cy="619125"/>
+          </a:xfrm>
+          <a:prstGeom prst="rect">
+            <a:avLst/>
+          </a:prstGeom>
+        </p:spPr>
+      </p:pic>
+      <p:pic>
+        <p:nvPicPr>
+          <p:cNvPr id="8" name="Picture 7">
+            <a:extLst>
+              <a:ext uri="{FF2B5EF4-FFF2-40B4-BE49-F238E27FC236}">
+                <a16:creationId xmlns:a16="http://schemas.microsoft.com/office/drawing/2014/main" id="{C7AD63AD-5B0A-4BA6-9F92-AFEDC3BC08F4}"/>
+              </a:ext>
+            </a:extLst>
+          </p:cNvPr>
+          <p:cNvPicPr>
+            <a:picLocks noChangeAspect="1"/>
+          </p:cNvPicPr>
+          <p:nvPr/>
+        </p:nvPicPr>
+        <p:blipFill>
+          <a:blip r:embed="rId4">
+            <a:extLst>
+              <a:ext uri="{28A0092B-C50C-407E-A947-70E740481C1C}">
+                <a14:useLocalDpi xmlns:a14="http://schemas.microsoft.com/office/drawing/2010/main" val="0"/>
+              </a:ext>
+            </a:extLst>
+          </a:blip>
+          <a:stretch>
+            <a:fillRect/>
+          </a:stretch>
+        </p:blipFill>
+        <p:spPr>
+          <a:xfrm>
+            <a:off x="3339808" y="619125"/>
+            <a:ext cx="5512384" cy="514350"/>
           </a:xfrm>
           <a:prstGeom prst="rect">
             <a:avLst/>
@@ -3661,7 +3937,7 @@
           <p:cNvPr id="3" name="Picture 2">
             <a:extLst>
               <a:ext uri="{FF2B5EF4-FFF2-40B4-BE49-F238E27FC236}">
-                <a16:creationId xmlns:a16="http://schemas.microsoft.com/office/drawing/2014/main" id="{58C82A8C-A9F0-4606-BECB-B086872D897F}"/>
+                <a16:creationId xmlns:a16="http://schemas.microsoft.com/office/drawing/2014/main" id="{9006E233-ECD1-4B97-8680-B0795E2B508C}"/>
               </a:ext>
             </a:extLst>
           </p:cNvPr>
@@ -3684,8 +3960,80 @@
         </p:blipFill>
         <p:spPr>
           <a:xfrm>
-            <a:off x="3219450" y="57150"/>
-            <a:ext cx="5753100" cy="6743700"/>
+            <a:off x="3339808" y="0"/>
+            <a:ext cx="5512384" cy="6724650"/>
+          </a:xfrm>
+          <a:prstGeom prst="rect">
+            <a:avLst/>
+          </a:prstGeom>
+        </p:spPr>
+      </p:pic>
+      <p:pic>
+        <p:nvPicPr>
+          <p:cNvPr id="10" name="Picture 9">
+            <a:extLst>
+              <a:ext uri="{FF2B5EF4-FFF2-40B4-BE49-F238E27FC236}">
+                <a16:creationId xmlns:a16="http://schemas.microsoft.com/office/drawing/2014/main" id="{9F07EE09-10AB-40CC-8022-C11C0B629BCE}"/>
+              </a:ext>
+            </a:extLst>
+          </p:cNvPr>
+          <p:cNvPicPr>
+            <a:picLocks noChangeAspect="1"/>
+          </p:cNvPicPr>
+          <p:nvPr/>
+        </p:nvPicPr>
+        <p:blipFill>
+          <a:blip r:embed="rId3">
+            <a:extLst>
+              <a:ext uri="{28A0092B-C50C-407E-A947-70E740481C1C}">
+                <a14:useLocalDpi xmlns:a14="http://schemas.microsoft.com/office/drawing/2010/main" val="0"/>
+              </a:ext>
+            </a:extLst>
+          </a:blip>
+          <a:stretch>
+            <a:fillRect/>
+          </a:stretch>
+        </p:blipFill>
+        <p:spPr>
+          <a:xfrm>
+            <a:off x="3339808" y="0"/>
+            <a:ext cx="5512384" cy="619125"/>
+          </a:xfrm>
+          <a:prstGeom prst="rect">
+            <a:avLst/>
+          </a:prstGeom>
+        </p:spPr>
+      </p:pic>
+      <p:pic>
+        <p:nvPicPr>
+          <p:cNvPr id="11" name="Picture 10">
+            <a:extLst>
+              <a:ext uri="{FF2B5EF4-FFF2-40B4-BE49-F238E27FC236}">
+                <a16:creationId xmlns:a16="http://schemas.microsoft.com/office/drawing/2014/main" id="{A9FA0441-0971-4708-8E4C-92CB93E543F3}"/>
+              </a:ext>
+            </a:extLst>
+          </p:cNvPr>
+          <p:cNvPicPr>
+            <a:picLocks noChangeAspect="1"/>
+          </p:cNvPicPr>
+          <p:nvPr/>
+        </p:nvPicPr>
+        <p:blipFill>
+          <a:blip r:embed="rId4">
+            <a:extLst>
+              <a:ext uri="{28A0092B-C50C-407E-A947-70E740481C1C}">
+                <a14:useLocalDpi xmlns:a14="http://schemas.microsoft.com/office/drawing/2010/main" val="0"/>
+              </a:ext>
+            </a:extLst>
+          </a:blip>
+          <a:stretch>
+            <a:fillRect/>
+          </a:stretch>
+        </p:blipFill>
+        <p:spPr>
+          <a:xfrm>
+            <a:off x="3339809" y="619125"/>
+            <a:ext cx="5512384" cy="485775"/>
           </a:xfrm>
           <a:prstGeom prst="rect">
             <a:avLst/>
@@ -3738,7 +4086,7 @@
           <p:cNvPr id="3" name="Picture 2">
             <a:extLst>
               <a:ext uri="{FF2B5EF4-FFF2-40B4-BE49-F238E27FC236}">
-                <a16:creationId xmlns:a16="http://schemas.microsoft.com/office/drawing/2014/main" id="{9CEDC1FF-AD87-41C5-94EA-0782BB8A0B53}"/>
+                <a16:creationId xmlns:a16="http://schemas.microsoft.com/office/drawing/2014/main" id="{C33CAA75-0515-4591-A1EA-0630410616A0}"/>
               </a:ext>
             </a:extLst>
           </p:cNvPr>
@@ -3761,8 +4109,80 @@
         </p:blipFill>
         <p:spPr>
           <a:xfrm>
-            <a:off x="3653198" y="0"/>
-            <a:ext cx="4885603" cy="6858000"/>
+            <a:off x="3339808" y="131806"/>
+            <a:ext cx="5512384" cy="6858000"/>
+          </a:xfrm>
+          <a:prstGeom prst="rect">
+            <a:avLst/>
+          </a:prstGeom>
+        </p:spPr>
+      </p:pic>
+      <p:pic>
+        <p:nvPicPr>
+          <p:cNvPr id="6" name="Picture 5">
+            <a:extLst>
+              <a:ext uri="{FF2B5EF4-FFF2-40B4-BE49-F238E27FC236}">
+                <a16:creationId xmlns:a16="http://schemas.microsoft.com/office/drawing/2014/main" id="{847B6F1E-A9DD-4D4A-91EC-9F5851A054F3}"/>
+              </a:ext>
+            </a:extLst>
+          </p:cNvPr>
+          <p:cNvPicPr>
+            <a:picLocks noChangeAspect="1"/>
+          </p:cNvPicPr>
+          <p:nvPr/>
+        </p:nvPicPr>
+        <p:blipFill>
+          <a:blip r:embed="rId3">
+            <a:extLst>
+              <a:ext uri="{28A0092B-C50C-407E-A947-70E740481C1C}">
+                <a14:useLocalDpi xmlns:a14="http://schemas.microsoft.com/office/drawing/2010/main" val="0"/>
+              </a:ext>
+            </a:extLst>
+          </a:blip>
+          <a:stretch>
+            <a:fillRect/>
+          </a:stretch>
+        </p:blipFill>
+        <p:spPr>
+          <a:xfrm>
+            <a:off x="3339808" y="0"/>
+            <a:ext cx="5512384" cy="619125"/>
+          </a:xfrm>
+          <a:prstGeom prst="rect">
+            <a:avLst/>
+          </a:prstGeom>
+        </p:spPr>
+      </p:pic>
+      <p:pic>
+        <p:nvPicPr>
+          <p:cNvPr id="7" name="Picture 6">
+            <a:extLst>
+              <a:ext uri="{FF2B5EF4-FFF2-40B4-BE49-F238E27FC236}">
+                <a16:creationId xmlns:a16="http://schemas.microsoft.com/office/drawing/2014/main" id="{2D4F7DAA-EC29-49E6-A2DF-624AAE98C75A}"/>
+              </a:ext>
+            </a:extLst>
+          </p:cNvPr>
+          <p:cNvPicPr>
+            <a:picLocks noChangeAspect="1"/>
+          </p:cNvPicPr>
+          <p:nvPr/>
+        </p:nvPicPr>
+        <p:blipFill>
+          <a:blip r:embed="rId4">
+            <a:extLst>
+              <a:ext uri="{28A0092B-C50C-407E-A947-70E740481C1C}">
+                <a14:useLocalDpi xmlns:a14="http://schemas.microsoft.com/office/drawing/2010/main" val="0"/>
+              </a:ext>
+            </a:extLst>
+          </a:blip>
+          <a:stretch>
+            <a:fillRect/>
+          </a:stretch>
+        </p:blipFill>
+        <p:spPr>
+          <a:xfrm>
+            <a:off x="3339809" y="619125"/>
+            <a:ext cx="5512384" cy="485775"/>
           </a:xfrm>
           <a:prstGeom prst="rect">
             <a:avLst/>
@@ -3815,7 +4235,7 @@
           <p:cNvPr id="3" name="Picture 2">
             <a:extLst>
               <a:ext uri="{FF2B5EF4-FFF2-40B4-BE49-F238E27FC236}">
-                <a16:creationId xmlns:a16="http://schemas.microsoft.com/office/drawing/2014/main" id="{38DE62D2-3460-4309-ADA6-A020A050B111}"/>
+                <a16:creationId xmlns:a16="http://schemas.microsoft.com/office/drawing/2014/main" id="{677EA83E-799D-4AA0-8BF1-6595BAA324B4}"/>
               </a:ext>
             </a:extLst>
           </p:cNvPr>
@@ -3838,8 +4258,80 @@
         </p:blipFill>
         <p:spPr>
           <a:xfrm>
-            <a:off x="3214687" y="0"/>
-            <a:ext cx="5762625" cy="6229350"/>
+            <a:off x="3339808" y="0"/>
+            <a:ext cx="5512384" cy="6200775"/>
+          </a:xfrm>
+          <a:prstGeom prst="rect">
+            <a:avLst/>
+          </a:prstGeom>
+        </p:spPr>
+      </p:pic>
+      <p:pic>
+        <p:nvPicPr>
+          <p:cNvPr id="6" name="Picture 5">
+            <a:extLst>
+              <a:ext uri="{FF2B5EF4-FFF2-40B4-BE49-F238E27FC236}">
+                <a16:creationId xmlns:a16="http://schemas.microsoft.com/office/drawing/2014/main" id="{36C6574D-53C6-4FFF-B7D0-411320EF207C}"/>
+              </a:ext>
+            </a:extLst>
+          </p:cNvPr>
+          <p:cNvPicPr>
+            <a:picLocks noChangeAspect="1"/>
+          </p:cNvPicPr>
+          <p:nvPr/>
+        </p:nvPicPr>
+        <p:blipFill>
+          <a:blip r:embed="rId3">
+            <a:extLst>
+              <a:ext uri="{28A0092B-C50C-407E-A947-70E740481C1C}">
+                <a14:useLocalDpi xmlns:a14="http://schemas.microsoft.com/office/drawing/2010/main" val="0"/>
+              </a:ext>
+            </a:extLst>
+          </a:blip>
+          <a:stretch>
+            <a:fillRect/>
+          </a:stretch>
+        </p:blipFill>
+        <p:spPr>
+          <a:xfrm>
+            <a:off x="3339808" y="0"/>
+            <a:ext cx="5512384" cy="619125"/>
+          </a:xfrm>
+          <a:prstGeom prst="rect">
+            <a:avLst/>
+          </a:prstGeom>
+        </p:spPr>
+      </p:pic>
+      <p:pic>
+        <p:nvPicPr>
+          <p:cNvPr id="7" name="Picture 6">
+            <a:extLst>
+              <a:ext uri="{FF2B5EF4-FFF2-40B4-BE49-F238E27FC236}">
+                <a16:creationId xmlns:a16="http://schemas.microsoft.com/office/drawing/2014/main" id="{3648A80E-E7A4-452E-A6E4-2DE8A9B1AA1E}"/>
+              </a:ext>
+            </a:extLst>
+          </p:cNvPr>
+          <p:cNvPicPr>
+            <a:picLocks noChangeAspect="1"/>
+          </p:cNvPicPr>
+          <p:nvPr/>
+        </p:nvPicPr>
+        <p:blipFill>
+          <a:blip r:embed="rId4">
+            <a:extLst>
+              <a:ext uri="{28A0092B-C50C-407E-A947-70E740481C1C}">
+                <a14:useLocalDpi xmlns:a14="http://schemas.microsoft.com/office/drawing/2010/main" val="0"/>
+              </a:ext>
+            </a:extLst>
+          </a:blip>
+          <a:stretch>
+            <a:fillRect/>
+          </a:stretch>
+        </p:blipFill>
+        <p:spPr>
+          <a:xfrm>
+            <a:off x="3339809" y="619125"/>
+            <a:ext cx="5512384" cy="485775"/>
           </a:xfrm>
           <a:prstGeom prst="rect">
             <a:avLst/>
@@ -3892,7 +4384,7 @@
           <p:cNvPr id="3" name="Picture 2">
             <a:extLst>
               <a:ext uri="{FF2B5EF4-FFF2-40B4-BE49-F238E27FC236}">
-                <a16:creationId xmlns:a16="http://schemas.microsoft.com/office/drawing/2014/main" id="{7A72C827-9719-4C57-BC38-ED804A20F57C}"/>
+                <a16:creationId xmlns:a16="http://schemas.microsoft.com/office/drawing/2014/main" id="{DC2FBBB9-27EE-4C06-BC4E-9D135AFEEF93}"/>
               </a:ext>
             </a:extLst>
           </p:cNvPr>
@@ -3915,8 +4407,80 @@
         </p:blipFill>
         <p:spPr>
           <a:xfrm>
-            <a:off x="3484651" y="0"/>
-            <a:ext cx="5222697" cy="6858000"/>
+            <a:off x="3339808" y="0"/>
+            <a:ext cx="5512384" cy="6858000"/>
+          </a:xfrm>
+          <a:prstGeom prst="rect">
+            <a:avLst/>
+          </a:prstGeom>
+        </p:spPr>
+      </p:pic>
+      <p:pic>
+        <p:nvPicPr>
+          <p:cNvPr id="6" name="Picture 5">
+            <a:extLst>
+              <a:ext uri="{FF2B5EF4-FFF2-40B4-BE49-F238E27FC236}">
+                <a16:creationId xmlns:a16="http://schemas.microsoft.com/office/drawing/2014/main" id="{31DAFDED-9934-43D2-9739-C5B522C0A112}"/>
+              </a:ext>
+            </a:extLst>
+          </p:cNvPr>
+          <p:cNvPicPr>
+            <a:picLocks noChangeAspect="1"/>
+          </p:cNvPicPr>
+          <p:nvPr/>
+        </p:nvPicPr>
+        <p:blipFill>
+          <a:blip r:embed="rId3">
+            <a:extLst>
+              <a:ext uri="{28A0092B-C50C-407E-A947-70E740481C1C}">
+                <a14:useLocalDpi xmlns:a14="http://schemas.microsoft.com/office/drawing/2010/main" val="0"/>
+              </a:ext>
+            </a:extLst>
+          </a:blip>
+          <a:stretch>
+            <a:fillRect/>
+          </a:stretch>
+        </p:blipFill>
+        <p:spPr>
+          <a:xfrm>
+            <a:off x="3339808" y="0"/>
+            <a:ext cx="5512384" cy="619125"/>
+          </a:xfrm>
+          <a:prstGeom prst="rect">
+            <a:avLst/>
+          </a:prstGeom>
+        </p:spPr>
+      </p:pic>
+      <p:pic>
+        <p:nvPicPr>
+          <p:cNvPr id="7" name="Picture 6">
+            <a:extLst>
+              <a:ext uri="{FF2B5EF4-FFF2-40B4-BE49-F238E27FC236}">
+                <a16:creationId xmlns:a16="http://schemas.microsoft.com/office/drawing/2014/main" id="{8FF518C4-D54D-4397-8B12-BB5886EFD663}"/>
+              </a:ext>
+            </a:extLst>
+          </p:cNvPr>
+          <p:cNvPicPr>
+            <a:picLocks noChangeAspect="1"/>
+          </p:cNvPicPr>
+          <p:nvPr/>
+        </p:nvPicPr>
+        <p:blipFill>
+          <a:blip r:embed="rId4">
+            <a:extLst>
+              <a:ext uri="{28A0092B-C50C-407E-A947-70E740481C1C}">
+                <a14:useLocalDpi xmlns:a14="http://schemas.microsoft.com/office/drawing/2010/main" val="0"/>
+              </a:ext>
+            </a:extLst>
+          </a:blip>
+          <a:stretch>
+            <a:fillRect/>
+          </a:stretch>
+        </p:blipFill>
+        <p:spPr>
+          <a:xfrm>
+            <a:off x="3339809" y="619125"/>
+            <a:ext cx="5512384" cy="485775"/>
           </a:xfrm>
           <a:prstGeom prst="rect">
             <a:avLst/>
@@ -3969,7 +4533,7 @@
           <p:cNvPr id="3" name="Picture 2">
             <a:extLst>
               <a:ext uri="{FF2B5EF4-FFF2-40B4-BE49-F238E27FC236}">
-                <a16:creationId xmlns:a16="http://schemas.microsoft.com/office/drawing/2014/main" id="{4E9C7CEC-1005-4686-9033-3F2D1B031126}"/>
+                <a16:creationId xmlns:a16="http://schemas.microsoft.com/office/drawing/2014/main" id="{39DB9096-0402-41E3-9131-BF662B58AFB0}"/>
               </a:ext>
             </a:extLst>
           </p:cNvPr>
@@ -3992,8 +4556,80 @@
         </p:blipFill>
         <p:spPr>
           <a:xfrm>
-            <a:off x="3298658" y="0"/>
-            <a:ext cx="5594684" cy="6858000"/>
+            <a:off x="3339808" y="0"/>
+            <a:ext cx="5512384" cy="6858000"/>
+          </a:xfrm>
+          <a:prstGeom prst="rect">
+            <a:avLst/>
+          </a:prstGeom>
+        </p:spPr>
+      </p:pic>
+      <p:pic>
+        <p:nvPicPr>
+          <p:cNvPr id="6" name="Picture 5">
+            <a:extLst>
+              <a:ext uri="{FF2B5EF4-FFF2-40B4-BE49-F238E27FC236}">
+                <a16:creationId xmlns:a16="http://schemas.microsoft.com/office/drawing/2014/main" id="{7DEF7CE6-5AA4-4D4A-87AC-44D1F06BBA3F}"/>
+              </a:ext>
+            </a:extLst>
+          </p:cNvPr>
+          <p:cNvPicPr>
+            <a:picLocks noChangeAspect="1"/>
+          </p:cNvPicPr>
+          <p:nvPr/>
+        </p:nvPicPr>
+        <p:blipFill>
+          <a:blip r:embed="rId3">
+            <a:extLst>
+              <a:ext uri="{28A0092B-C50C-407E-A947-70E740481C1C}">
+                <a14:useLocalDpi xmlns:a14="http://schemas.microsoft.com/office/drawing/2010/main" val="0"/>
+              </a:ext>
+            </a:extLst>
+          </a:blip>
+          <a:stretch>
+            <a:fillRect/>
+          </a:stretch>
+        </p:blipFill>
+        <p:spPr>
+          <a:xfrm>
+            <a:off x="3339808" y="0"/>
+            <a:ext cx="5512384" cy="619125"/>
+          </a:xfrm>
+          <a:prstGeom prst="rect">
+            <a:avLst/>
+          </a:prstGeom>
+        </p:spPr>
+      </p:pic>
+      <p:pic>
+        <p:nvPicPr>
+          <p:cNvPr id="7" name="Picture 6">
+            <a:extLst>
+              <a:ext uri="{FF2B5EF4-FFF2-40B4-BE49-F238E27FC236}">
+                <a16:creationId xmlns:a16="http://schemas.microsoft.com/office/drawing/2014/main" id="{D1C7EFB7-A7AA-4E02-BACD-212F2BDB76DF}"/>
+              </a:ext>
+            </a:extLst>
+          </p:cNvPr>
+          <p:cNvPicPr>
+            <a:picLocks noChangeAspect="1"/>
+          </p:cNvPicPr>
+          <p:nvPr/>
+        </p:nvPicPr>
+        <p:blipFill>
+          <a:blip r:embed="rId4">
+            <a:extLst>
+              <a:ext uri="{28A0092B-C50C-407E-A947-70E740481C1C}">
+                <a14:useLocalDpi xmlns:a14="http://schemas.microsoft.com/office/drawing/2010/main" val="0"/>
+              </a:ext>
+            </a:extLst>
+          </a:blip>
+          <a:stretch>
+            <a:fillRect/>
+          </a:stretch>
+        </p:blipFill>
+        <p:spPr>
+          <a:xfrm>
+            <a:off x="3339808" y="619125"/>
+            <a:ext cx="5512384" cy="457200"/>
           </a:xfrm>
           <a:prstGeom prst="rect">
             <a:avLst/>
@@ -4043,10 +4679,10 @@
       </p:grpSpPr>
       <p:pic>
         <p:nvPicPr>
-          <p:cNvPr id="3" name="Picture 2">
-            <a:extLst>
-              <a:ext uri="{FF2B5EF4-FFF2-40B4-BE49-F238E27FC236}">
-                <a16:creationId xmlns:a16="http://schemas.microsoft.com/office/drawing/2014/main" id="{593AF37D-B0EA-456E-801F-FE1D3CA2B2EB}"/>
+          <p:cNvPr id="14" name="Picture 13">
+            <a:extLst>
+              <a:ext uri="{FF2B5EF4-FFF2-40B4-BE49-F238E27FC236}">
+                <a16:creationId xmlns:a16="http://schemas.microsoft.com/office/drawing/2014/main" id="{3ACC8E07-7022-46FC-85C9-7EF0690ACE3B}"/>
               </a:ext>
             </a:extLst>
           </p:cNvPr>
@@ -4069,8 +4705,74 @@
         </p:blipFill>
         <p:spPr>
           <a:xfrm>
-            <a:off x="3281362" y="0"/>
-            <a:ext cx="5629275" cy="6591300"/>
+            <a:off x="3339808" y="222421"/>
+            <a:ext cx="5512384" cy="6858000"/>
+          </a:xfrm>
+          <a:prstGeom prst="rect">
+            <a:avLst/>
+          </a:prstGeom>
+        </p:spPr>
+      </p:pic>
+      <p:pic>
+        <p:nvPicPr>
+          <p:cNvPr id="16" name="Picture 15">
+            <a:extLst>
+              <a:ext uri="{FF2B5EF4-FFF2-40B4-BE49-F238E27FC236}">
+                <a16:creationId xmlns:a16="http://schemas.microsoft.com/office/drawing/2014/main" id="{23984E21-BB4F-4B63-ACD4-B2C6915FFB51}"/>
+              </a:ext>
+            </a:extLst>
+          </p:cNvPr>
+          <p:cNvPicPr>
+            <a:picLocks noChangeAspect="1"/>
+          </p:cNvPicPr>
+          <p:nvPr/>
+        </p:nvPicPr>
+        <p:blipFill>
+          <a:blip r:embed="rId3">
+            <a:extLst>
+              <a:ext uri="{28A0092B-C50C-407E-A947-70E740481C1C}">
+                <a14:useLocalDpi xmlns:a14="http://schemas.microsoft.com/office/drawing/2010/main" val="0"/>
+              </a:ext>
+            </a:extLst>
+          </a:blip>
+          <a:stretch>
+            <a:fillRect/>
+          </a:stretch>
+        </p:blipFill>
+        <p:spPr>
+          <a:xfrm>
+            <a:off x="3339808" y="0"/>
+            <a:ext cx="5512384" cy="619125"/>
+          </a:xfrm>
+          <a:prstGeom prst="rect">
+            <a:avLst/>
+          </a:prstGeom>
+        </p:spPr>
+      </p:pic>
+      <p:pic>
+        <p:nvPicPr>
+          <p:cNvPr id="17" name="Picture 16">
+            <a:extLst>
+              <a:ext uri="{FF2B5EF4-FFF2-40B4-BE49-F238E27FC236}">
+                <a16:creationId xmlns:a16="http://schemas.microsoft.com/office/drawing/2014/main" id="{A93DA670-FBE0-49D9-9AEC-1AF3BD51EF79}"/>
+              </a:ext>
+            </a:extLst>
+          </p:cNvPr>
+          <p:cNvPicPr>
+            <a:picLocks noChangeAspect="1"/>
+          </p:cNvPicPr>
+          <p:nvPr/>
+        </p:nvPicPr>
+        <p:blipFill>
+          <a:blip r:embed="rId4"/>
+          <a:stretch>
+            <a:fillRect/>
+          </a:stretch>
+        </p:blipFill>
+        <p:spPr>
+          <a:xfrm>
+            <a:off x="3339808" y="619125"/>
+            <a:ext cx="5512384" cy="457200"/>
           </a:xfrm>
           <a:prstGeom prst="rect">
             <a:avLst/>
@@ -4123,7 +4825,7 @@
           <p:cNvPr id="3" name="Picture 2">
             <a:extLst>
               <a:ext uri="{FF2B5EF4-FFF2-40B4-BE49-F238E27FC236}">
-                <a16:creationId xmlns:a16="http://schemas.microsoft.com/office/drawing/2014/main" id="{7A72C827-9719-4C57-BC38-ED804A20F57C}"/>
+                <a16:creationId xmlns:a16="http://schemas.microsoft.com/office/drawing/2014/main" id="{C15E2BF9-C83B-4F51-9095-A0593FF56B61}"/>
               </a:ext>
             </a:extLst>
           </p:cNvPr>
@@ -4146,8 +4848,74 @@
         </p:blipFill>
         <p:spPr>
           <a:xfrm>
-            <a:off x="3484651" y="0"/>
-            <a:ext cx="5222697" cy="6858000"/>
+            <a:off x="3339808" y="0"/>
+            <a:ext cx="5512384" cy="6858000"/>
+          </a:xfrm>
+          <a:prstGeom prst="rect">
+            <a:avLst/>
+          </a:prstGeom>
+        </p:spPr>
+      </p:pic>
+      <p:pic>
+        <p:nvPicPr>
+          <p:cNvPr id="6" name="Picture 5">
+            <a:extLst>
+              <a:ext uri="{FF2B5EF4-FFF2-40B4-BE49-F238E27FC236}">
+                <a16:creationId xmlns:a16="http://schemas.microsoft.com/office/drawing/2014/main" id="{1D5562DF-4A71-46B0-AC9B-180783457228}"/>
+              </a:ext>
+            </a:extLst>
+          </p:cNvPr>
+          <p:cNvPicPr>
+            <a:picLocks noChangeAspect="1"/>
+          </p:cNvPicPr>
+          <p:nvPr/>
+        </p:nvPicPr>
+        <p:blipFill>
+          <a:blip r:embed="rId3">
+            <a:extLst>
+              <a:ext uri="{28A0092B-C50C-407E-A947-70E740481C1C}">
+                <a14:useLocalDpi xmlns:a14="http://schemas.microsoft.com/office/drawing/2010/main" val="0"/>
+              </a:ext>
+            </a:extLst>
+          </a:blip>
+          <a:stretch>
+            <a:fillRect/>
+          </a:stretch>
+        </p:blipFill>
+        <p:spPr>
+          <a:xfrm>
+            <a:off x="3339808" y="0"/>
+            <a:ext cx="5512384" cy="619125"/>
+          </a:xfrm>
+          <a:prstGeom prst="rect">
+            <a:avLst/>
+          </a:prstGeom>
+        </p:spPr>
+      </p:pic>
+      <p:pic>
+        <p:nvPicPr>
+          <p:cNvPr id="7" name="Picture 6">
+            <a:extLst>
+              <a:ext uri="{FF2B5EF4-FFF2-40B4-BE49-F238E27FC236}">
+                <a16:creationId xmlns:a16="http://schemas.microsoft.com/office/drawing/2014/main" id="{D41AF1F1-A4A7-40C9-AA1A-3A50CE7C9EFD}"/>
+              </a:ext>
+            </a:extLst>
+          </p:cNvPr>
+          <p:cNvPicPr>
+            <a:picLocks noChangeAspect="1"/>
+          </p:cNvPicPr>
+          <p:nvPr/>
+        </p:nvPicPr>
+        <p:blipFill>
+          <a:blip r:embed="rId4"/>
+          <a:stretch>
+            <a:fillRect/>
+          </a:stretch>
+        </p:blipFill>
+        <p:spPr>
+          <a:xfrm>
+            <a:off x="3339808" y="619125"/>
+            <a:ext cx="5512384" cy="457200"/>
           </a:xfrm>
           <a:prstGeom prst="rect">
             <a:avLst/>
@@ -4197,10 +4965,10 @@
       </p:grpSpPr>
       <p:pic>
         <p:nvPicPr>
-          <p:cNvPr id="3" name="Picture 2">
-            <a:extLst>
-              <a:ext uri="{FF2B5EF4-FFF2-40B4-BE49-F238E27FC236}">
-                <a16:creationId xmlns:a16="http://schemas.microsoft.com/office/drawing/2014/main" id="{896D43B4-8778-4780-BABB-7986673539F0}"/>
+          <p:cNvPr id="8" name="Picture 7">
+            <a:extLst>
+              <a:ext uri="{FF2B5EF4-FFF2-40B4-BE49-F238E27FC236}">
+                <a16:creationId xmlns:a16="http://schemas.microsoft.com/office/drawing/2014/main" id="{DF217B77-4E3D-4B6D-A84C-F0B36A7A15C9}"/>
               </a:ext>
             </a:extLst>
           </p:cNvPr>
@@ -4223,8 +4991,80 @@
         </p:blipFill>
         <p:spPr>
           <a:xfrm>
-            <a:off x="3458966" y="0"/>
-            <a:ext cx="5274067" cy="6858000"/>
+            <a:off x="3339808" y="98854"/>
+            <a:ext cx="5512384" cy="6858000"/>
+          </a:xfrm>
+          <a:prstGeom prst="rect">
+            <a:avLst/>
+          </a:prstGeom>
+        </p:spPr>
+      </p:pic>
+      <p:pic>
+        <p:nvPicPr>
+          <p:cNvPr id="10" name="Picture 9">
+            <a:extLst>
+              <a:ext uri="{FF2B5EF4-FFF2-40B4-BE49-F238E27FC236}">
+                <a16:creationId xmlns:a16="http://schemas.microsoft.com/office/drawing/2014/main" id="{E552F9D7-8873-4A5E-A88C-B8AD4F56AB21}"/>
+              </a:ext>
+            </a:extLst>
+          </p:cNvPr>
+          <p:cNvPicPr>
+            <a:picLocks noChangeAspect="1"/>
+          </p:cNvPicPr>
+          <p:nvPr/>
+        </p:nvPicPr>
+        <p:blipFill>
+          <a:blip r:embed="rId3">
+            <a:extLst>
+              <a:ext uri="{28A0092B-C50C-407E-A947-70E740481C1C}">
+                <a14:useLocalDpi xmlns:a14="http://schemas.microsoft.com/office/drawing/2010/main" val="0"/>
+              </a:ext>
+            </a:extLst>
+          </a:blip>
+          <a:stretch>
+            <a:fillRect/>
+          </a:stretch>
+        </p:blipFill>
+        <p:spPr>
+          <a:xfrm>
+            <a:off x="3339808" y="0"/>
+            <a:ext cx="5512384" cy="619125"/>
+          </a:xfrm>
+          <a:prstGeom prst="rect">
+            <a:avLst/>
+          </a:prstGeom>
+        </p:spPr>
+      </p:pic>
+      <p:pic>
+        <p:nvPicPr>
+          <p:cNvPr id="12" name="Picture 11">
+            <a:extLst>
+              <a:ext uri="{FF2B5EF4-FFF2-40B4-BE49-F238E27FC236}">
+                <a16:creationId xmlns:a16="http://schemas.microsoft.com/office/drawing/2014/main" id="{ED8EFFE7-A18A-472C-B1C0-2986907611FE}"/>
+              </a:ext>
+            </a:extLst>
+          </p:cNvPr>
+          <p:cNvPicPr>
+            <a:picLocks noChangeAspect="1"/>
+          </p:cNvPicPr>
+          <p:nvPr/>
+        </p:nvPicPr>
+        <p:blipFill>
+          <a:blip r:embed="rId4">
+            <a:extLst>
+              <a:ext uri="{28A0092B-C50C-407E-A947-70E740481C1C}">
+                <a14:useLocalDpi xmlns:a14="http://schemas.microsoft.com/office/drawing/2010/main" val="0"/>
+              </a:ext>
+            </a:extLst>
+          </a:blip>
+          <a:stretch>
+            <a:fillRect/>
+          </a:stretch>
+        </p:blipFill>
+        <p:spPr>
+          <a:xfrm>
+            <a:off x="3339808" y="619125"/>
+            <a:ext cx="5512384" cy="514350"/>
           </a:xfrm>
           <a:prstGeom prst="rect">
             <a:avLst/>
